--- a/Introduction to JavaScript/Introduction to JavaScript.pptx
+++ b/Introduction to JavaScript/Introduction to JavaScript.pptx
@@ -7,10 +7,10 @@
     <p:sldMasterId id="2147484634" r:id="rId3"/>
   </p:sldMasterIdLst>
   <p:notesMasterIdLst>
-    <p:notesMasterId r:id="rId25"/>
+    <p:notesMasterId r:id="rId26"/>
   </p:notesMasterIdLst>
   <p:handoutMasterIdLst>
-    <p:handoutMasterId r:id="rId26"/>
+    <p:handoutMasterId r:id="rId27"/>
   </p:handoutMasterIdLst>
   <p:sldIdLst>
     <p:sldId id="256" r:id="rId4"/>
@@ -33,7 +33,8 @@
     <p:sldId id="273" r:id="rId21"/>
     <p:sldId id="274" r:id="rId22"/>
     <p:sldId id="276" r:id="rId23"/>
-    <p:sldId id="275" r:id="rId24"/>
+    <p:sldId id="277" r:id="rId24"/>
+    <p:sldId id="278" r:id="rId25"/>
   </p:sldIdLst>
   <p:sldSz cx="12192000" cy="6858000"/>
   <p:notesSz cx="6858000" cy="9144000"/>
@@ -234,7 +235,7 @@
             <a:fld id="{FC130646-5612-45FA-9C9E-DA4859754973}" type="datetime5">
               <a:rPr lang="en-US" smtClean="0"/>
               <a:pPr/>
-              <a:t>3-Nov-15</a:t>
+              <a:t>6-Nov-15</a:t>
             </a:fld>
             <a:endParaRPr lang="en-US"/>
           </a:p>
@@ -406,7 +407,7 @@
             <a:fld id="{62156237-9F2D-4EED-AD36-5AE6B1F89E70}" type="datetime5">
               <a:rPr lang="en-US" smtClean="0"/>
               <a:pPr/>
-              <a:t>3-Nov-15</a:t>
+              <a:t>6-Nov-15</a:t>
             </a:fld>
             <a:endParaRPr lang="en-US"/>
           </a:p>
@@ -756,7 +757,7 @@
             <a:fld id="{62156237-9F2D-4EED-AD36-5AE6B1F89E70}" type="datetime5">
               <a:rPr lang="en-US" smtClean="0"/>
               <a:pPr/>
-              <a:t>3-Nov-15</a:t>
+              <a:t>6-Nov-15</a:t>
             </a:fld>
             <a:endParaRPr lang="en-US"/>
           </a:p>
@@ -1568,7 +1569,7 @@
             <a:fld id="{D805D4A1-4491-4CF7-B459-BABEF7BA2A3B}" type="datetime5">
               <a:rPr lang="en-US" smtClean="0"/>
               <a:pPr/>
-              <a:t>3-Nov-15</a:t>
+              <a:t>6-Nov-15</a:t>
             </a:fld>
             <a:endParaRPr lang="en-US"/>
           </a:p>
@@ -1833,7 +1834,7 @@
             <a:fld id="{0417C830-2683-4A93-93C0-8CAA554ED732}" type="datetime5">
               <a:rPr lang="en-US" smtClean="0"/>
               <a:pPr/>
-              <a:t>3-Nov-15</a:t>
+              <a:t>6-Nov-15</a:t>
             </a:fld>
             <a:endParaRPr lang="en-US"/>
           </a:p>
@@ -2154,7 +2155,7 @@
             <a:fld id="{EA505B6E-CF05-48EC-981A-F1FD05D0A2D8}" type="datetime5">
               <a:rPr lang="en-US" smtClean="0"/>
               <a:pPr/>
-              <a:t>3-Nov-15</a:t>
+              <a:t>6-Nov-15</a:t>
             </a:fld>
             <a:endParaRPr lang="en-US"/>
           </a:p>
@@ -2494,7 +2495,7 @@
             <a:fld id="{E9DC699D-C8AE-4027-8FBB-C34111C5DE6E}" type="datetime5">
               <a:rPr lang="en-US" smtClean="0"/>
               <a:pPr/>
-              <a:t>3-Nov-15</a:t>
+              <a:t>6-Nov-15</a:t>
             </a:fld>
             <a:endParaRPr lang="en-US"/>
           </a:p>
@@ -2815,7 +2816,7 @@
             <a:fld id="{451AE04F-D7DF-40B7-ABFB-0D74C73CCAF1}" type="datetime5">
               <a:rPr lang="en-US" smtClean="0"/>
               <a:pPr/>
-              <a:t>3-Nov-15</a:t>
+              <a:t>6-Nov-15</a:t>
             </a:fld>
             <a:endParaRPr lang="en-US"/>
           </a:p>
@@ -3215,7 +3216,7 @@
             <a:fld id="{7D026C37-85F3-4564-90F0-1C6DE7C196F1}" type="datetime5">
               <a:rPr lang="en-US" smtClean="0"/>
               <a:pPr/>
-              <a:t>3-Nov-15</a:t>
+              <a:t>6-Nov-15</a:t>
             </a:fld>
             <a:endParaRPr lang="en-US"/>
           </a:p>
@@ -3392,7 +3393,7 @@
             <a:fld id="{99B9E833-BBE5-4F8D-A4E5-7233FFED85BD}" type="datetime5">
               <a:rPr lang="en-US" smtClean="0"/>
               <a:pPr/>
-              <a:t>3-Nov-15</a:t>
+              <a:t>6-Nov-15</a:t>
             </a:fld>
             <a:endParaRPr lang="en-US"/>
           </a:p>
@@ -3579,7 +3580,7 @@
             <a:fld id="{64C3E686-F2DC-42C7-B98A-77F67DF43E07}" type="datetime5">
               <a:rPr lang="en-US" smtClean="0"/>
               <a:pPr/>
-              <a:t>3-Nov-15</a:t>
+              <a:t>6-Nov-15</a:t>
             </a:fld>
             <a:endParaRPr lang="en-US"/>
           </a:p>
@@ -3777,7 +3778,7 @@
           <a:p>
             <a:fld id="{02F93218-9FF8-47E4-9549-D6B8B70DBC55}" type="datetimeFigureOut">
               <a:rPr lang="en-US" smtClean="0"/>
-              <a:t>11/3/2015</a:t>
+              <a:t>11/6/2015</a:t>
             </a:fld>
             <a:endParaRPr lang="en-US"/>
           </a:p>
@@ -3947,7 +3948,7 @@
           <a:p>
             <a:fld id="{02F93218-9FF8-47E4-9549-D6B8B70DBC55}" type="datetimeFigureOut">
               <a:rPr lang="en-US" smtClean="0"/>
-              <a:t>11/3/2015</a:t>
+              <a:t>11/6/2015</a:t>
             </a:fld>
             <a:endParaRPr lang="en-US"/>
           </a:p>
@@ -4193,7 +4194,7 @@
           <a:p>
             <a:fld id="{02F93218-9FF8-47E4-9549-D6B8B70DBC55}" type="datetimeFigureOut">
               <a:rPr lang="en-US" smtClean="0"/>
-              <a:t>11/3/2015</a:t>
+              <a:t>11/6/2015</a:t>
             </a:fld>
             <a:endParaRPr lang="en-US"/>
           </a:p>
@@ -4364,7 +4365,7 @@
             <a:fld id="{62BF7D9E-6612-4925-88A1-893F87A86193}" type="datetime5">
               <a:rPr lang="en-US" smtClean="0"/>
               <a:pPr/>
-              <a:t>3-Nov-15</a:t>
+              <a:t>6-Nov-15</a:t>
             </a:fld>
             <a:endParaRPr lang="en-US"/>
           </a:p>
@@ -4609,7 +4610,7 @@
           <a:p>
             <a:fld id="{02F93218-9FF8-47E4-9549-D6B8B70DBC55}" type="datetimeFigureOut">
               <a:rPr lang="en-US" smtClean="0"/>
-              <a:t>11/3/2015</a:t>
+              <a:t>11/6/2015</a:t>
             </a:fld>
             <a:endParaRPr lang="en-US"/>
           </a:p>
@@ -4976,7 +4977,7 @@
           <a:p>
             <a:fld id="{02F93218-9FF8-47E4-9549-D6B8B70DBC55}" type="datetimeFigureOut">
               <a:rPr lang="en-US" smtClean="0"/>
-              <a:t>11/3/2015</a:t>
+              <a:t>11/6/2015</a:t>
             </a:fld>
             <a:endParaRPr lang="en-US"/>
           </a:p>
@@ -5094,7 +5095,7 @@
           <a:p>
             <a:fld id="{02F93218-9FF8-47E4-9549-D6B8B70DBC55}" type="datetimeFigureOut">
               <a:rPr lang="en-US" smtClean="0"/>
-              <a:t>11/3/2015</a:t>
+              <a:t>11/6/2015</a:t>
             </a:fld>
             <a:endParaRPr lang="en-US"/>
           </a:p>
@@ -5189,7 +5190,7 @@
           <a:p>
             <a:fld id="{02F93218-9FF8-47E4-9549-D6B8B70DBC55}" type="datetimeFigureOut">
               <a:rPr lang="en-US" smtClean="0"/>
-              <a:t>11/3/2015</a:t>
+              <a:t>11/6/2015</a:t>
             </a:fld>
             <a:endParaRPr lang="en-US"/>
           </a:p>
@@ -5466,7 +5467,7 @@
           <a:p>
             <a:fld id="{02F93218-9FF8-47E4-9549-D6B8B70DBC55}" type="datetimeFigureOut">
               <a:rPr lang="en-US" smtClean="0"/>
-              <a:t>11/3/2015</a:t>
+              <a:t>11/6/2015</a:t>
             </a:fld>
             <a:endParaRPr lang="en-US"/>
           </a:p>
@@ -5719,7 +5720,7 @@
           <a:p>
             <a:fld id="{02F93218-9FF8-47E4-9549-D6B8B70DBC55}" type="datetimeFigureOut">
               <a:rPr lang="en-US" smtClean="0"/>
-              <a:t>11/3/2015</a:t>
+              <a:t>11/6/2015</a:t>
             </a:fld>
             <a:endParaRPr lang="en-US"/>
           </a:p>
@@ -5889,7 +5890,7 @@
           <a:p>
             <a:fld id="{02F93218-9FF8-47E4-9549-D6B8B70DBC55}" type="datetimeFigureOut">
               <a:rPr lang="en-US" smtClean="0"/>
-              <a:t>11/3/2015</a:t>
+              <a:t>11/6/2015</a:t>
             </a:fld>
             <a:endParaRPr lang="en-US"/>
           </a:p>
@@ -6069,7 +6070,7 @@
           <a:p>
             <a:fld id="{02F93218-9FF8-47E4-9549-D6B8B70DBC55}" type="datetimeFigureOut">
               <a:rPr lang="en-US" smtClean="0"/>
-              <a:t>11/3/2015</a:t>
+              <a:t>11/6/2015</a:t>
             </a:fld>
             <a:endParaRPr lang="en-US"/>
           </a:p>
@@ -6852,7 +6853,7 @@
           <a:p>
             <a:fld id="{02F93218-9FF8-47E4-9549-D6B8B70DBC55}" type="datetimeFigureOut">
               <a:rPr lang="en-US" smtClean="0"/>
-              <a:t>11/3/2015</a:t>
+              <a:t>11/6/2015</a:t>
             </a:fld>
             <a:endParaRPr lang="en-US"/>
           </a:p>
@@ -7028,7 +7029,7 @@
           <a:p>
             <a:fld id="{02F93218-9FF8-47E4-9549-D6B8B70DBC55}" type="datetimeFigureOut">
               <a:rPr lang="en-US" smtClean="0"/>
-              <a:t>11/3/2015</a:t>
+              <a:t>11/6/2015</a:t>
             </a:fld>
             <a:endParaRPr lang="en-US"/>
           </a:p>
@@ -7276,7 +7277,7 @@
             <a:fld id="{B15E28CD-C8C0-47D1-B347-F20582DDE84A}" type="datetime5">
               <a:rPr lang="en-US" smtClean="0"/>
               <a:pPr/>
-              <a:t>3-Nov-15</a:t>
+              <a:t>6-Nov-15</a:t>
             </a:fld>
             <a:endParaRPr lang="en-US"/>
           </a:p>
@@ -7536,7 +7537,7 @@
           <a:p>
             <a:fld id="{02F93218-9FF8-47E4-9549-D6B8B70DBC55}" type="datetimeFigureOut">
               <a:rPr lang="en-US" smtClean="0"/>
-              <a:t>11/3/2015</a:t>
+              <a:t>11/6/2015</a:t>
             </a:fld>
             <a:endParaRPr lang="en-US"/>
           </a:p>
@@ -7768,7 +7769,7 @@
           <a:p>
             <a:fld id="{02F93218-9FF8-47E4-9549-D6B8B70DBC55}" type="datetimeFigureOut">
               <a:rPr lang="en-US" smtClean="0"/>
-              <a:t>11/3/2015</a:t>
+              <a:t>11/6/2015</a:t>
             </a:fld>
             <a:endParaRPr lang="en-US"/>
           </a:p>
@@ -8142,7 +8143,7 @@
           <a:p>
             <a:fld id="{02F93218-9FF8-47E4-9549-D6B8B70DBC55}" type="datetimeFigureOut">
               <a:rPr lang="en-US" smtClean="0"/>
-              <a:t>11/3/2015</a:t>
+              <a:t>11/6/2015</a:t>
             </a:fld>
             <a:endParaRPr lang="en-US"/>
           </a:p>
@@ -8265,7 +8266,7 @@
           <a:p>
             <a:fld id="{02F93218-9FF8-47E4-9549-D6B8B70DBC55}" type="datetimeFigureOut">
               <a:rPr lang="en-US" smtClean="0"/>
-              <a:t>11/3/2015</a:t>
+              <a:t>11/6/2015</a:t>
             </a:fld>
             <a:endParaRPr lang="en-US"/>
           </a:p>
@@ -8360,7 +8361,7 @@
           <a:p>
             <a:fld id="{02F93218-9FF8-47E4-9549-D6B8B70DBC55}" type="datetimeFigureOut">
               <a:rPr lang="en-US" smtClean="0"/>
-              <a:t>11/3/2015</a:t>
+              <a:t>11/6/2015</a:t>
             </a:fld>
             <a:endParaRPr lang="en-US"/>
           </a:p>
@@ -8615,7 +8616,7 @@
           <a:p>
             <a:fld id="{02F93218-9FF8-47E4-9549-D6B8B70DBC55}" type="datetimeFigureOut">
               <a:rPr lang="en-US" smtClean="0"/>
-              <a:t>11/3/2015</a:t>
+              <a:t>11/6/2015</a:t>
             </a:fld>
             <a:endParaRPr lang="en-US"/>
           </a:p>
@@ -8878,7 +8879,7 @@
           <a:p>
             <a:fld id="{02F93218-9FF8-47E4-9549-D6B8B70DBC55}" type="datetimeFigureOut">
               <a:rPr lang="en-US" smtClean="0"/>
-              <a:t>11/3/2015</a:t>
+              <a:t>11/6/2015</a:t>
             </a:fld>
             <a:endParaRPr lang="en-US"/>
           </a:p>
@@ -9129,7 +9130,7 @@
           <a:p>
             <a:fld id="{02F93218-9FF8-47E4-9549-D6B8B70DBC55}" type="datetimeFigureOut">
               <a:rPr lang="en-US" smtClean="0"/>
-              <a:t>11/3/2015</a:t>
+              <a:t>11/6/2015</a:t>
             </a:fld>
             <a:endParaRPr lang="en-US"/>
           </a:p>
@@ -9443,7 +9444,7 @@
           <a:p>
             <a:fld id="{02F93218-9FF8-47E4-9549-D6B8B70DBC55}" type="datetimeFigureOut">
               <a:rPr lang="en-US" smtClean="0"/>
-              <a:t>11/3/2015</a:t>
+              <a:t>11/6/2015</a:t>
             </a:fld>
             <a:endParaRPr lang="en-US"/>
           </a:p>
@@ -9784,7 +9785,7 @@
           <a:p>
             <a:fld id="{02F93218-9FF8-47E4-9549-D6B8B70DBC55}" type="datetimeFigureOut">
               <a:rPr lang="en-US" smtClean="0"/>
-              <a:t>11/3/2015</a:t>
+              <a:t>11/6/2015</a:t>
             </a:fld>
             <a:endParaRPr lang="en-US"/>
           </a:p>
@@ -10017,7 +10018,7 @@
             <a:fld id="{F02B13D4-D553-40A5-BC87-06ABBA27D586}" type="datetime5">
               <a:rPr lang="en-US" smtClean="0"/>
               <a:pPr/>
-              <a:t>3-Nov-15</a:t>
+              <a:t>6-Nov-15</a:t>
             </a:fld>
             <a:endParaRPr lang="en-US"/>
           </a:p>
@@ -10337,7 +10338,7 @@
           <a:p>
             <a:fld id="{02F93218-9FF8-47E4-9549-D6B8B70DBC55}" type="datetimeFigureOut">
               <a:rPr lang="en-US" smtClean="0"/>
-              <a:t>11/3/2015</a:t>
+              <a:t>11/6/2015</a:t>
             </a:fld>
             <a:endParaRPr lang="en-US"/>
           </a:p>
@@ -10730,7 +10731,7 @@
           <a:p>
             <a:fld id="{02F93218-9FF8-47E4-9549-D6B8B70DBC55}" type="datetimeFigureOut">
               <a:rPr lang="en-US" smtClean="0"/>
-              <a:t>11/3/2015</a:t>
+              <a:t>11/6/2015</a:t>
             </a:fld>
             <a:endParaRPr lang="en-US"/>
           </a:p>
@@ -10900,7 +10901,7 @@
           <a:p>
             <a:fld id="{02F93218-9FF8-47E4-9549-D6B8B70DBC55}" type="datetimeFigureOut">
               <a:rPr lang="en-US" smtClean="0"/>
-              <a:t>11/3/2015</a:t>
+              <a:t>11/6/2015</a:t>
             </a:fld>
             <a:endParaRPr lang="en-US"/>
           </a:p>
@@ -11080,7 +11081,7 @@
           <a:p>
             <a:fld id="{02F93218-9FF8-47E4-9549-D6B8B70DBC55}" type="datetimeFigureOut">
               <a:rPr lang="en-US" smtClean="0"/>
-              <a:t>11/3/2015</a:t>
+              <a:t>11/6/2015</a:t>
             </a:fld>
             <a:endParaRPr lang="en-US"/>
           </a:p>
@@ -11455,7 +11456,7 @@
             <a:fld id="{A97E0254-BDA2-4D05-BB21-AFDBB6E5F51C}" type="datetime5">
               <a:rPr lang="en-US" smtClean="0"/>
               <a:pPr/>
-              <a:t>3-Nov-15</a:t>
+              <a:t>6-Nov-15</a:t>
             </a:fld>
             <a:endParaRPr lang="en-US"/>
           </a:p>
@@ -11585,7 +11586,7 @@
             <a:fld id="{48DA2199-57E2-49A1-8254-0D56EB7F68BC}" type="datetime5">
               <a:rPr lang="en-US" smtClean="0"/>
               <a:pPr/>
-              <a:t>3-Nov-15</a:t>
+              <a:t>6-Nov-15</a:t>
             </a:fld>
             <a:endParaRPr lang="en-US"/>
           </a:p>
@@ -11687,7 +11688,7 @@
             <a:fld id="{6E2019BC-3A82-45B5-A5F5-96D5F7374200}" type="datetime5">
               <a:rPr lang="en-US" smtClean="0"/>
               <a:pPr/>
-              <a:t>3-Nov-15</a:t>
+              <a:t>6-Nov-15</a:t>
             </a:fld>
             <a:endParaRPr lang="en-US"/>
           </a:p>
@@ -11949,7 +11950,7 @@
             <a:fld id="{14DB5873-2ECD-456F-8227-1185B23AE098}" type="datetime5">
               <a:rPr lang="en-US" smtClean="0"/>
               <a:pPr/>
-              <a:t>3-Nov-15</a:t>
+              <a:t>6-Nov-15</a:t>
             </a:fld>
             <a:endParaRPr lang="en-US"/>
           </a:p>
@@ -12266,7 +12267,7 @@
             <a:fld id="{DB96432D-A71A-4BA9-A2C6-9CF2EB7B98EE}" type="datetime5">
               <a:rPr lang="en-US" smtClean="0"/>
               <a:pPr/>
-              <a:t>3-Nov-15</a:t>
+              <a:t>6-Nov-15</a:t>
             </a:fld>
             <a:endParaRPr lang="en-US"/>
           </a:p>
@@ -12970,7 +12971,7 @@
             <a:fld id="{EDBD9FD9-0A37-4D3D-AD88-F2FA53D6DFD5}" type="datetime5">
               <a:rPr lang="en-US" smtClean="0"/>
               <a:pPr/>
-              <a:t>3-Nov-15</a:t>
+              <a:t>6-Nov-15</a:t>
             </a:fld>
             <a:endParaRPr lang="en-US"/>
           </a:p>
@@ -13642,7 +13643,7 @@
           <a:p>
             <a:fld id="{02F93218-9FF8-47E4-9549-D6B8B70DBC55}" type="datetimeFigureOut">
               <a:rPr lang="en-US" smtClean="0"/>
-              <a:t>11/3/2015</a:t>
+              <a:t>11/6/2015</a:t>
             </a:fld>
             <a:endParaRPr lang="en-US"/>
           </a:p>
@@ -14720,7 +14721,7 @@
             <a:fld id="{EDBD9FD9-0A37-4D3D-AD88-F2FA53D6DFD5}" type="datetime5">
               <a:rPr lang="en-US" smtClean="0"/>
               <a:pPr/>
-              <a:t>3-Nov-15</a:t>
+              <a:t>6-Nov-15</a:t>
             </a:fld>
             <a:endParaRPr lang="en-US"/>
           </a:p>
@@ -17038,7 +17039,7 @@
         </p:spPr>
         <p:txBody>
           <a:bodyPr>
-            <a:normAutofit lnSpcReduction="10000"/>
+            <a:normAutofit/>
           </a:bodyPr>
           <a:lstStyle/>
           <a:p>
@@ -17064,12 +17065,34 @@
           </a:p>
           <a:p>
             <a:r>
+              <a:rPr lang="en-US" dirty="0" err="1" smtClean="0"/>
+              <a:t>Onchange</a:t>
+            </a:r>
+            <a:endParaRPr lang="en-US" dirty="0" smtClean="0"/>
+          </a:p>
+          <a:p>
+            <a:r>
+              <a:rPr lang="en-US" dirty="0" err="1" smtClean="0"/>
+              <a:t>Onkeypress</a:t>
+            </a:r>
+            <a:r>
+              <a:rPr lang="en-US" dirty="0" smtClean="0"/>
+              <a:t>/</a:t>
+            </a:r>
+            <a:r>
+              <a:rPr lang="en-US" dirty="0" err="1" smtClean="0"/>
+              <a:t>onkeydown</a:t>
+            </a:r>
+            <a:endParaRPr lang="en-US" dirty="0" smtClean="0"/>
+          </a:p>
+          <a:p>
+            <a:r>
               <a:rPr lang="en-US" dirty="0" err="1"/>
               <a:t>o</a:t>
             </a:r>
             <a:r>
               <a:rPr lang="en-US" dirty="0" err="1" smtClean="0"/>
-              <a:t>nchange</a:t>
+              <a:t>nmouseover</a:t>
             </a:r>
             <a:endParaRPr lang="en-US" dirty="0" smtClean="0"/>
           </a:p>
@@ -17080,17 +17103,6 @@
             </a:r>
             <a:r>
               <a:rPr lang="en-US" dirty="0" err="1" smtClean="0"/>
-              <a:t>nmouseover</a:t>
-            </a:r>
-            <a:endParaRPr lang="en-US" dirty="0" smtClean="0"/>
-          </a:p>
-          <a:p>
-            <a:r>
-              <a:rPr lang="en-US" dirty="0" err="1"/>
-              <a:t>o</a:t>
-            </a:r>
-            <a:r>
-              <a:rPr lang="en-US" dirty="0" err="1" smtClean="0"/>
               <a:t>nmouseout</a:t>
             </a:r>
             <a:endParaRPr lang="en-US" dirty="0" smtClean="0"/>
@@ -17108,48 +17120,6 @@
               <a:t>removeEventListener</a:t>
             </a:r>
             <a:endParaRPr lang="en-US" dirty="0" smtClean="0"/>
-          </a:p>
-          <a:p>
-            <a:r>
-              <a:rPr lang="en-US" dirty="0" smtClean="0"/>
-              <a:t>Event </a:t>
-            </a:r>
-          </a:p>
-          <a:p>
-            <a:pPr lvl="1"/>
-            <a:r>
-              <a:rPr lang="en-US" dirty="0" smtClean="0"/>
-              <a:t>Type</a:t>
-            </a:r>
-          </a:p>
-          <a:p>
-            <a:pPr lvl="1"/>
-            <a:r>
-              <a:rPr lang="en-US" dirty="0" smtClean="0"/>
-              <a:t>Target</a:t>
-            </a:r>
-          </a:p>
-          <a:p>
-            <a:pPr lvl="1"/>
-            <a:r>
-              <a:rPr lang="en-US" dirty="0" smtClean="0"/>
-              <a:t>Current target</a:t>
-            </a:r>
-          </a:p>
-          <a:p>
-            <a:pPr lvl="1"/>
-            <a:r>
-              <a:rPr lang="en-US" dirty="0" smtClean="0"/>
-              <a:t>Cancelable </a:t>
-            </a:r>
-          </a:p>
-          <a:p>
-            <a:pPr lvl="1"/>
-            <a:r>
-              <a:rPr lang="en-US" dirty="0" smtClean="0"/>
-              <a:t>Bubbles </a:t>
-            </a:r>
-            <a:endParaRPr lang="en-US" dirty="0"/>
           </a:p>
           <a:p>
             <a:endParaRPr lang="en-US" dirty="0"/>
@@ -17395,6 +17365,128 @@
           </a:extLst>
         </p:spPr>
       </p:pic>
+      <p:sp>
+        <p:nvSpPr>
+          <p:cNvPr id="8" name="Content Placeholder 2"/>
+          <p:cNvSpPr>
+            <a:spLocks noGrp="1"/>
+          </p:cNvSpPr>
+          <p:nvPr>
+            <p:ph idx="1"/>
+          </p:nvPr>
+        </p:nvSpPr>
+        <p:spPr>
+          <a:xfrm>
+            <a:off x="677334" y="1142999"/>
+            <a:ext cx="8596668" cy="5533845"/>
+          </a:xfrm>
+        </p:spPr>
+        <p:txBody>
+          <a:bodyPr>
+            <a:normAutofit/>
+          </a:bodyPr>
+          <a:lstStyle/>
+          <a:p>
+            <a:r>
+              <a:rPr lang="en-US" dirty="0" smtClean="0"/>
+              <a:t>Event </a:t>
+            </a:r>
+          </a:p>
+          <a:p>
+            <a:pPr lvl="1"/>
+            <a:r>
+              <a:rPr lang="en-US" dirty="0" smtClean="0"/>
+              <a:t>Type</a:t>
+            </a:r>
+          </a:p>
+          <a:p>
+            <a:pPr lvl="1"/>
+            <a:r>
+              <a:rPr lang="en-US" dirty="0" smtClean="0"/>
+              <a:t>Target</a:t>
+            </a:r>
+          </a:p>
+          <a:p>
+            <a:pPr lvl="1"/>
+            <a:r>
+              <a:rPr lang="en-US" dirty="0" smtClean="0"/>
+              <a:t>Current target</a:t>
+            </a:r>
+          </a:p>
+          <a:p>
+            <a:pPr lvl="1"/>
+            <a:r>
+              <a:rPr lang="en-US" dirty="0" smtClean="0"/>
+              <a:t>Cancelable </a:t>
+            </a:r>
+          </a:p>
+          <a:p>
+            <a:pPr lvl="1"/>
+            <a:r>
+              <a:rPr lang="en-US" dirty="0" smtClean="0"/>
+              <a:t>Bubbles </a:t>
+            </a:r>
+          </a:p>
+          <a:p>
+            <a:pPr lvl="1"/>
+            <a:r>
+              <a:rPr lang="en-US" dirty="0" err="1" smtClean="0"/>
+              <a:t>preventDefault</a:t>
+            </a:r>
+            <a:endParaRPr lang="en-US" dirty="0" smtClean="0"/>
+          </a:p>
+          <a:p>
+            <a:pPr lvl="1"/>
+            <a:r>
+              <a:rPr lang="en-US" dirty="0" err="1" smtClean="0"/>
+              <a:t>Stoppropagation</a:t>
+            </a:r>
+            <a:endParaRPr lang="en-US" dirty="0" smtClean="0"/>
+          </a:p>
+          <a:p>
+            <a:r>
+              <a:rPr lang="en-US" dirty="0" smtClean="0"/>
+              <a:t>Event Phases</a:t>
+            </a:r>
+          </a:p>
+          <a:p>
+            <a:pPr lvl="1"/>
+            <a:r>
+              <a:rPr lang="en-US" dirty="0" smtClean="0"/>
+              <a:t>Capture</a:t>
+            </a:r>
+          </a:p>
+          <a:p>
+            <a:pPr lvl="1"/>
+            <a:r>
+              <a:rPr lang="en-US" dirty="0" smtClean="0"/>
+              <a:t>Target</a:t>
+            </a:r>
+          </a:p>
+          <a:p>
+            <a:pPr lvl="1"/>
+            <a:r>
+              <a:rPr lang="en-US" smtClean="0"/>
+              <a:t>Bubbling</a:t>
+            </a:r>
+          </a:p>
+          <a:p>
+            <a:pPr lvl="1"/>
+            <a:endParaRPr lang="en-US" dirty="0" smtClean="0"/>
+          </a:p>
+          <a:p>
+            <a:pPr lvl="1"/>
+            <a:endParaRPr lang="en-US" dirty="0" smtClean="0"/>
+          </a:p>
+          <a:p>
+            <a:pPr lvl="1"/>
+            <a:endParaRPr lang="en-US" dirty="0"/>
+          </a:p>
+          <a:p>
+            <a:endParaRPr lang="en-US" dirty="0"/>
+          </a:p>
+        </p:txBody>
+      </p:sp>
     </p:spTree>
     <p:extLst>
       <p:ext uri="{BB962C8B-B14F-4D97-AF65-F5344CB8AC3E}">
@@ -17479,17 +17571,328 @@
           </a:xfrm>
         </p:spPr>
         <p:txBody>
+          <a:bodyPr>
+            <a:normAutofit lnSpcReduction="10000"/>
+          </a:bodyPr>
+          <a:lstStyle/>
+          <a:p>
+            <a:r>
+              <a:rPr lang="en-US" dirty="0" smtClean="0"/>
+              <a:t>new Date()</a:t>
+            </a:r>
+          </a:p>
+          <a:p>
+            <a:r>
+              <a:rPr lang="en-US" dirty="0" smtClean="0"/>
+              <a:t>new Date(milliseconds)</a:t>
+            </a:r>
+          </a:p>
+          <a:p>
+            <a:r>
+              <a:rPr lang="en-US" dirty="0" smtClean="0"/>
+              <a:t>new Date(date string)</a:t>
+            </a:r>
+          </a:p>
+          <a:p>
+            <a:r>
+              <a:rPr lang="en-US" dirty="0" smtClean="0"/>
+              <a:t>new Date(year, month, day, hours, minutes, seconds, milliseconds)</a:t>
+            </a:r>
+          </a:p>
+          <a:p>
+            <a:r>
+              <a:rPr lang="en-US" dirty="0" smtClean="0"/>
+              <a:t>Formats </a:t>
+            </a:r>
+          </a:p>
+          <a:p>
+            <a:pPr lvl="1"/>
+            <a:r>
+              <a:rPr lang="en-US" dirty="0" smtClean="0"/>
+              <a:t>YYY-MM-DDTHH:MM:SS</a:t>
+            </a:r>
+          </a:p>
+          <a:p>
+            <a:pPr lvl="1"/>
+            <a:r>
+              <a:rPr lang="en-US" dirty="0" smtClean="0"/>
+              <a:t>YYYY-MM</a:t>
+            </a:r>
+          </a:p>
+          <a:p>
+            <a:pPr lvl="1"/>
+            <a:r>
+              <a:rPr lang="en-US" dirty="0" smtClean="0"/>
+              <a:t>YYYY</a:t>
+            </a:r>
+          </a:p>
+          <a:p>
+            <a:pPr lvl="1"/>
+            <a:r>
+              <a:rPr lang="en-US" dirty="0"/>
+              <a:t>MMM DD </a:t>
+            </a:r>
+            <a:r>
+              <a:rPr lang="en-US" dirty="0" smtClean="0"/>
+              <a:t>YYYY</a:t>
+            </a:r>
+          </a:p>
+          <a:p>
+            <a:pPr lvl="1"/>
+            <a:r>
+              <a:rPr lang="en-US" dirty="0" smtClean="0"/>
+              <a:t>MM/DD/YYYY</a:t>
+            </a:r>
+          </a:p>
+          <a:p>
+            <a:r>
+              <a:rPr lang="en-US" dirty="0" smtClean="0"/>
+              <a:t>Methods </a:t>
+            </a:r>
+          </a:p>
+          <a:p>
+            <a:pPr lvl="1"/>
+            <a:r>
+              <a:rPr lang="en-US" dirty="0" err="1" smtClean="0"/>
+              <a:t>getDate</a:t>
+            </a:r>
+            <a:r>
+              <a:rPr lang="en-US" dirty="0" smtClean="0"/>
+              <a:t>(), </a:t>
+            </a:r>
+            <a:r>
+              <a:rPr lang="en-US" dirty="0" err="1" smtClean="0"/>
+              <a:t>getDay</a:t>
+            </a:r>
+            <a:r>
+              <a:rPr lang="en-US" dirty="0" smtClean="0"/>
+              <a:t>(), </a:t>
+            </a:r>
+            <a:r>
+              <a:rPr lang="en-US" dirty="0" err="1" smtClean="0"/>
+              <a:t>getFullYear</a:t>
+            </a:r>
+            <a:r>
+              <a:rPr lang="en-US" dirty="0" smtClean="0"/>
+              <a:t>() </a:t>
+            </a:r>
+          </a:p>
+          <a:p>
+            <a:pPr lvl="1"/>
+            <a:r>
+              <a:rPr lang="en-US" dirty="0" err="1" smtClean="0"/>
+              <a:t>getHours</a:t>
+            </a:r>
+            <a:r>
+              <a:rPr lang="en-US" dirty="0" smtClean="0"/>
+              <a:t>(), </a:t>
+            </a:r>
+            <a:r>
+              <a:rPr lang="en-US" dirty="0" err="1" smtClean="0"/>
+              <a:t>getMinutes</a:t>
+            </a:r>
+            <a:r>
+              <a:rPr lang="en-US" dirty="0" smtClean="0"/>
+              <a:t>(), </a:t>
+            </a:r>
+            <a:r>
+              <a:rPr lang="en-US" dirty="0" err="1" smtClean="0"/>
+              <a:t>getMonth</a:t>
+            </a:r>
+            <a:r>
+              <a:rPr lang="en-US" dirty="0" smtClean="0"/>
+              <a:t>(), </a:t>
+            </a:r>
+            <a:r>
+              <a:rPr lang="en-US" dirty="0" err="1" smtClean="0"/>
+              <a:t>getTime</a:t>
+            </a:r>
+            <a:r>
+              <a:rPr lang="en-US" dirty="0" smtClean="0"/>
+              <a:t>()</a:t>
+            </a:r>
+          </a:p>
+          <a:p>
+            <a:endParaRPr lang="en-US" dirty="0" smtClean="0"/>
+          </a:p>
+          <a:p>
+            <a:endParaRPr lang="en-US" dirty="0"/>
+          </a:p>
+        </p:txBody>
+      </p:sp>
+      <p:sp>
+        <p:nvSpPr>
+          <p:cNvPr id="9" name="Slide Number Placeholder 8"/>
+          <p:cNvSpPr>
+            <a:spLocks noGrp="1"/>
+          </p:cNvSpPr>
+          <p:nvPr>
+            <p:ph type="sldNum" sz="quarter" idx="12"/>
+          </p:nvPr>
+        </p:nvSpPr>
+        <p:spPr/>
+        <p:txBody>
           <a:bodyPr/>
           <a:lstStyle/>
           <a:p>
-            <a:endParaRPr lang="en-US" dirty="0"/>
+            <a:fld id="{95A07849-83F8-415F-B412-60417A7C3D48}" type="slidenum">
+              <a:rPr lang="en-US" smtClean="0"/>
+              <a:pPr/>
+              <a:t>21</a:t>
+            </a:fld>
+            <a:endParaRPr lang="en-US"/>
           </a:p>
         </p:txBody>
       </p:sp>
     </p:spTree>
     <p:extLst>
       <p:ext uri="{BB962C8B-B14F-4D97-AF65-F5344CB8AC3E}">
-        <p14:creationId xmlns:p14="http://schemas.microsoft.com/office/powerpoint/2010/main" val="3446064298"/>
+        <p14:creationId xmlns:p14="http://schemas.microsoft.com/office/powerpoint/2010/main" val="880345769"/>
+      </p:ext>
+    </p:extLst>
+  </p:cSld>
+  <p:clrMapOvr>
+    <a:masterClrMapping/>
+  </p:clrMapOvr>
+  <p:timing>
+    <p:tnLst>
+      <p:par>
+        <p:cTn id="1" dur="indefinite" restart="never" nodeType="tmRoot"/>
+      </p:par>
+    </p:tnLst>
+  </p:timing>
+</p:sld>
+</file>
+
+<file path=ppt/slides/slide22.xml><?xml version="1.0" encoding="utf-8"?>
+<p:sld xmlns:a="http://schemas.openxmlformats.org/drawingml/2006/main" xmlns:r="http://schemas.openxmlformats.org/officeDocument/2006/relationships" xmlns:p="http://schemas.openxmlformats.org/presentationml/2006/main">
+  <p:cSld>
+    <p:spTree>
+      <p:nvGrpSpPr>
+        <p:cNvPr id="1" name=""/>
+        <p:cNvGrpSpPr/>
+        <p:nvPr/>
+      </p:nvGrpSpPr>
+      <p:grpSpPr>
+        <a:xfrm>
+          <a:off x="0" y="0"/>
+          <a:ext cx="0" cy="0"/>
+          <a:chOff x="0" y="0"/>
+          <a:chExt cx="0" cy="0"/>
+        </a:xfrm>
+      </p:grpSpPr>
+      <p:sp>
+        <p:nvSpPr>
+          <p:cNvPr id="2" name="Title 1"/>
+          <p:cNvSpPr>
+            <a:spLocks noGrp="1"/>
+          </p:cNvSpPr>
+          <p:nvPr>
+            <p:ph type="title"/>
+          </p:nvPr>
+        </p:nvSpPr>
+        <p:spPr>
+          <a:xfrm>
+            <a:off x="677334" y="609600"/>
+            <a:ext cx="8596668" cy="727494"/>
+          </a:xfrm>
+        </p:spPr>
+        <p:txBody>
+          <a:bodyPr/>
+          <a:lstStyle/>
+          <a:p>
+            <a:r>
+              <a:rPr lang="en-US" dirty="0" err="1" smtClean="0"/>
+              <a:t>Javascript</a:t>
+            </a:r>
+            <a:r>
+              <a:rPr lang="en-US" dirty="0" smtClean="0"/>
+              <a:t> Object/ Class/ Namespace</a:t>
+            </a:r>
+            <a:endParaRPr lang="en-US" dirty="0"/>
+          </a:p>
+        </p:txBody>
+      </p:sp>
+      <p:sp>
+        <p:nvSpPr>
+          <p:cNvPr id="3" name="Content Placeholder 2"/>
+          <p:cNvSpPr>
+            <a:spLocks noGrp="1"/>
+          </p:cNvSpPr>
+          <p:nvPr>
+            <p:ph idx="1"/>
+          </p:nvPr>
+        </p:nvSpPr>
+        <p:spPr>
+          <a:xfrm>
+            <a:off x="677334" y="1440611"/>
+            <a:ext cx="8596668" cy="4600751"/>
+          </a:xfrm>
+        </p:spPr>
+        <p:txBody>
+          <a:bodyPr/>
+          <a:lstStyle/>
+          <a:p>
+            <a:r>
+              <a:rPr lang="en-US" dirty="0" smtClean="0"/>
+              <a:t>Object</a:t>
+            </a:r>
+          </a:p>
+          <a:p>
+            <a:r>
+              <a:rPr lang="en-US" dirty="0" smtClean="0"/>
+              <a:t>Class </a:t>
+            </a:r>
+          </a:p>
+          <a:p>
+            <a:r>
+              <a:rPr lang="en-US" dirty="0" smtClean="0"/>
+              <a:t>Namespace</a:t>
+            </a:r>
+          </a:p>
+          <a:p>
+            <a:r>
+              <a:rPr lang="en-US" dirty="0" smtClean="0"/>
+              <a:t>With properties</a:t>
+            </a:r>
+          </a:p>
+          <a:p>
+            <a:r>
+              <a:rPr lang="en-US" dirty="0" smtClean="0"/>
+              <a:t>With properties and functions</a:t>
+            </a:r>
+            <a:endParaRPr lang="en-US" dirty="0"/>
+          </a:p>
+        </p:txBody>
+      </p:sp>
+      <p:sp>
+        <p:nvSpPr>
+          <p:cNvPr id="6" name="Slide Number Placeholder 5"/>
+          <p:cNvSpPr>
+            <a:spLocks noGrp="1"/>
+          </p:cNvSpPr>
+          <p:nvPr>
+            <p:ph type="sldNum" sz="quarter" idx="12"/>
+          </p:nvPr>
+        </p:nvSpPr>
+        <p:spPr/>
+        <p:txBody>
+          <a:bodyPr/>
+          <a:lstStyle/>
+          <a:p>
+            <a:fld id="{95A07849-83F8-415F-B412-60417A7C3D48}" type="slidenum">
+              <a:rPr lang="en-US" smtClean="0"/>
+              <a:pPr/>
+              <a:t>22</a:t>
+            </a:fld>
+            <a:endParaRPr lang="en-US"/>
+          </a:p>
+        </p:txBody>
+      </p:sp>
+    </p:spTree>
+    <p:extLst>
+      <p:ext uri="{BB962C8B-B14F-4D97-AF65-F5344CB8AC3E}">
+        <p14:creationId xmlns:p14="http://schemas.microsoft.com/office/powerpoint/2010/main" val="2327605204"/>
       </p:ext>
     </p:extLst>
   </p:cSld>

--- a/Introduction to JavaScript/Introduction to JavaScript.pptx
+++ b/Introduction to JavaScript/Introduction to JavaScript.pptx
@@ -235,7 +235,7 @@
             <a:fld id="{FC130646-5612-45FA-9C9E-DA4859754973}" type="datetime5">
               <a:rPr lang="en-US" smtClean="0"/>
               <a:pPr/>
-              <a:t>6-Nov-15</a:t>
+              <a:t>13-Nov-15</a:t>
             </a:fld>
             <a:endParaRPr lang="en-US"/>
           </a:p>
@@ -407,7 +407,7 @@
             <a:fld id="{62156237-9F2D-4EED-AD36-5AE6B1F89E70}" type="datetime5">
               <a:rPr lang="en-US" smtClean="0"/>
               <a:pPr/>
-              <a:t>6-Nov-15</a:t>
+              <a:t>13-Nov-15</a:t>
             </a:fld>
             <a:endParaRPr lang="en-US"/>
           </a:p>
@@ -757,7 +757,7 @@
             <a:fld id="{62156237-9F2D-4EED-AD36-5AE6B1F89E70}" type="datetime5">
               <a:rPr lang="en-US" smtClean="0"/>
               <a:pPr/>
-              <a:t>6-Nov-15</a:t>
+              <a:t>13-Nov-15</a:t>
             </a:fld>
             <a:endParaRPr lang="en-US"/>
           </a:p>
@@ -1569,7 +1569,7 @@
             <a:fld id="{D805D4A1-4491-4CF7-B459-BABEF7BA2A3B}" type="datetime5">
               <a:rPr lang="en-US" smtClean="0"/>
               <a:pPr/>
-              <a:t>6-Nov-15</a:t>
+              <a:t>13-Nov-15</a:t>
             </a:fld>
             <a:endParaRPr lang="en-US"/>
           </a:p>
@@ -1834,7 +1834,7 @@
             <a:fld id="{0417C830-2683-4A93-93C0-8CAA554ED732}" type="datetime5">
               <a:rPr lang="en-US" smtClean="0"/>
               <a:pPr/>
-              <a:t>6-Nov-15</a:t>
+              <a:t>13-Nov-15</a:t>
             </a:fld>
             <a:endParaRPr lang="en-US"/>
           </a:p>
@@ -2155,7 +2155,7 @@
             <a:fld id="{EA505B6E-CF05-48EC-981A-F1FD05D0A2D8}" type="datetime5">
               <a:rPr lang="en-US" smtClean="0"/>
               <a:pPr/>
-              <a:t>6-Nov-15</a:t>
+              <a:t>13-Nov-15</a:t>
             </a:fld>
             <a:endParaRPr lang="en-US"/>
           </a:p>
@@ -2495,7 +2495,7 @@
             <a:fld id="{E9DC699D-C8AE-4027-8FBB-C34111C5DE6E}" type="datetime5">
               <a:rPr lang="en-US" smtClean="0"/>
               <a:pPr/>
-              <a:t>6-Nov-15</a:t>
+              <a:t>13-Nov-15</a:t>
             </a:fld>
             <a:endParaRPr lang="en-US"/>
           </a:p>
@@ -2816,7 +2816,7 @@
             <a:fld id="{451AE04F-D7DF-40B7-ABFB-0D74C73CCAF1}" type="datetime5">
               <a:rPr lang="en-US" smtClean="0"/>
               <a:pPr/>
-              <a:t>6-Nov-15</a:t>
+              <a:t>13-Nov-15</a:t>
             </a:fld>
             <a:endParaRPr lang="en-US"/>
           </a:p>
@@ -3216,7 +3216,7 @@
             <a:fld id="{7D026C37-85F3-4564-90F0-1C6DE7C196F1}" type="datetime5">
               <a:rPr lang="en-US" smtClean="0"/>
               <a:pPr/>
-              <a:t>6-Nov-15</a:t>
+              <a:t>13-Nov-15</a:t>
             </a:fld>
             <a:endParaRPr lang="en-US"/>
           </a:p>
@@ -3393,7 +3393,7 @@
             <a:fld id="{99B9E833-BBE5-4F8D-A4E5-7233FFED85BD}" type="datetime5">
               <a:rPr lang="en-US" smtClean="0"/>
               <a:pPr/>
-              <a:t>6-Nov-15</a:t>
+              <a:t>13-Nov-15</a:t>
             </a:fld>
             <a:endParaRPr lang="en-US"/>
           </a:p>
@@ -3580,7 +3580,7 @@
             <a:fld id="{64C3E686-F2DC-42C7-B98A-77F67DF43E07}" type="datetime5">
               <a:rPr lang="en-US" smtClean="0"/>
               <a:pPr/>
-              <a:t>6-Nov-15</a:t>
+              <a:t>13-Nov-15</a:t>
             </a:fld>
             <a:endParaRPr lang="en-US"/>
           </a:p>
@@ -3778,7 +3778,7 @@
           <a:p>
             <a:fld id="{02F93218-9FF8-47E4-9549-D6B8B70DBC55}" type="datetimeFigureOut">
               <a:rPr lang="en-US" smtClean="0"/>
-              <a:t>11/6/2015</a:t>
+              <a:t>11/13/2015</a:t>
             </a:fld>
             <a:endParaRPr lang="en-US"/>
           </a:p>
@@ -3948,7 +3948,7 @@
           <a:p>
             <a:fld id="{02F93218-9FF8-47E4-9549-D6B8B70DBC55}" type="datetimeFigureOut">
               <a:rPr lang="en-US" smtClean="0"/>
-              <a:t>11/6/2015</a:t>
+              <a:t>11/13/2015</a:t>
             </a:fld>
             <a:endParaRPr lang="en-US"/>
           </a:p>
@@ -4194,7 +4194,7 @@
           <a:p>
             <a:fld id="{02F93218-9FF8-47E4-9549-D6B8B70DBC55}" type="datetimeFigureOut">
               <a:rPr lang="en-US" smtClean="0"/>
-              <a:t>11/6/2015</a:t>
+              <a:t>11/13/2015</a:t>
             </a:fld>
             <a:endParaRPr lang="en-US"/>
           </a:p>
@@ -4365,7 +4365,7 @@
             <a:fld id="{62BF7D9E-6612-4925-88A1-893F87A86193}" type="datetime5">
               <a:rPr lang="en-US" smtClean="0"/>
               <a:pPr/>
-              <a:t>6-Nov-15</a:t>
+              <a:t>13-Nov-15</a:t>
             </a:fld>
             <a:endParaRPr lang="en-US"/>
           </a:p>
@@ -4610,7 +4610,7 @@
           <a:p>
             <a:fld id="{02F93218-9FF8-47E4-9549-D6B8B70DBC55}" type="datetimeFigureOut">
               <a:rPr lang="en-US" smtClean="0"/>
-              <a:t>11/6/2015</a:t>
+              <a:t>11/13/2015</a:t>
             </a:fld>
             <a:endParaRPr lang="en-US"/>
           </a:p>
@@ -4977,7 +4977,7 @@
           <a:p>
             <a:fld id="{02F93218-9FF8-47E4-9549-D6B8B70DBC55}" type="datetimeFigureOut">
               <a:rPr lang="en-US" smtClean="0"/>
-              <a:t>11/6/2015</a:t>
+              <a:t>11/13/2015</a:t>
             </a:fld>
             <a:endParaRPr lang="en-US"/>
           </a:p>
@@ -5095,7 +5095,7 @@
           <a:p>
             <a:fld id="{02F93218-9FF8-47E4-9549-D6B8B70DBC55}" type="datetimeFigureOut">
               <a:rPr lang="en-US" smtClean="0"/>
-              <a:t>11/6/2015</a:t>
+              <a:t>11/13/2015</a:t>
             </a:fld>
             <a:endParaRPr lang="en-US"/>
           </a:p>
@@ -5190,7 +5190,7 @@
           <a:p>
             <a:fld id="{02F93218-9FF8-47E4-9549-D6B8B70DBC55}" type="datetimeFigureOut">
               <a:rPr lang="en-US" smtClean="0"/>
-              <a:t>11/6/2015</a:t>
+              <a:t>11/13/2015</a:t>
             </a:fld>
             <a:endParaRPr lang="en-US"/>
           </a:p>
@@ -5467,7 +5467,7 @@
           <a:p>
             <a:fld id="{02F93218-9FF8-47E4-9549-D6B8B70DBC55}" type="datetimeFigureOut">
               <a:rPr lang="en-US" smtClean="0"/>
-              <a:t>11/6/2015</a:t>
+              <a:t>11/13/2015</a:t>
             </a:fld>
             <a:endParaRPr lang="en-US"/>
           </a:p>
@@ -5720,7 +5720,7 @@
           <a:p>
             <a:fld id="{02F93218-9FF8-47E4-9549-D6B8B70DBC55}" type="datetimeFigureOut">
               <a:rPr lang="en-US" smtClean="0"/>
-              <a:t>11/6/2015</a:t>
+              <a:t>11/13/2015</a:t>
             </a:fld>
             <a:endParaRPr lang="en-US"/>
           </a:p>
@@ -5890,7 +5890,7 @@
           <a:p>
             <a:fld id="{02F93218-9FF8-47E4-9549-D6B8B70DBC55}" type="datetimeFigureOut">
               <a:rPr lang="en-US" smtClean="0"/>
-              <a:t>11/6/2015</a:t>
+              <a:t>11/13/2015</a:t>
             </a:fld>
             <a:endParaRPr lang="en-US"/>
           </a:p>
@@ -6070,7 +6070,7 @@
           <a:p>
             <a:fld id="{02F93218-9FF8-47E4-9549-D6B8B70DBC55}" type="datetimeFigureOut">
               <a:rPr lang="en-US" smtClean="0"/>
-              <a:t>11/6/2015</a:t>
+              <a:t>11/13/2015</a:t>
             </a:fld>
             <a:endParaRPr lang="en-US"/>
           </a:p>
@@ -6853,7 +6853,7 @@
           <a:p>
             <a:fld id="{02F93218-9FF8-47E4-9549-D6B8B70DBC55}" type="datetimeFigureOut">
               <a:rPr lang="en-US" smtClean="0"/>
-              <a:t>11/6/2015</a:t>
+              <a:t>11/13/2015</a:t>
             </a:fld>
             <a:endParaRPr lang="en-US"/>
           </a:p>
@@ -7029,7 +7029,7 @@
           <a:p>
             <a:fld id="{02F93218-9FF8-47E4-9549-D6B8B70DBC55}" type="datetimeFigureOut">
               <a:rPr lang="en-US" smtClean="0"/>
-              <a:t>11/6/2015</a:t>
+              <a:t>11/13/2015</a:t>
             </a:fld>
             <a:endParaRPr lang="en-US"/>
           </a:p>
@@ -7277,7 +7277,7 @@
             <a:fld id="{B15E28CD-C8C0-47D1-B347-F20582DDE84A}" type="datetime5">
               <a:rPr lang="en-US" smtClean="0"/>
               <a:pPr/>
-              <a:t>6-Nov-15</a:t>
+              <a:t>13-Nov-15</a:t>
             </a:fld>
             <a:endParaRPr lang="en-US"/>
           </a:p>
@@ -7537,7 +7537,7 @@
           <a:p>
             <a:fld id="{02F93218-9FF8-47E4-9549-D6B8B70DBC55}" type="datetimeFigureOut">
               <a:rPr lang="en-US" smtClean="0"/>
-              <a:t>11/6/2015</a:t>
+              <a:t>11/13/2015</a:t>
             </a:fld>
             <a:endParaRPr lang="en-US"/>
           </a:p>
@@ -7769,7 +7769,7 @@
           <a:p>
             <a:fld id="{02F93218-9FF8-47E4-9549-D6B8B70DBC55}" type="datetimeFigureOut">
               <a:rPr lang="en-US" smtClean="0"/>
-              <a:t>11/6/2015</a:t>
+              <a:t>11/13/2015</a:t>
             </a:fld>
             <a:endParaRPr lang="en-US"/>
           </a:p>
@@ -8143,7 +8143,7 @@
           <a:p>
             <a:fld id="{02F93218-9FF8-47E4-9549-D6B8B70DBC55}" type="datetimeFigureOut">
               <a:rPr lang="en-US" smtClean="0"/>
-              <a:t>11/6/2015</a:t>
+              <a:t>11/13/2015</a:t>
             </a:fld>
             <a:endParaRPr lang="en-US"/>
           </a:p>
@@ -8266,7 +8266,7 @@
           <a:p>
             <a:fld id="{02F93218-9FF8-47E4-9549-D6B8B70DBC55}" type="datetimeFigureOut">
               <a:rPr lang="en-US" smtClean="0"/>
-              <a:t>11/6/2015</a:t>
+              <a:t>11/13/2015</a:t>
             </a:fld>
             <a:endParaRPr lang="en-US"/>
           </a:p>
@@ -8361,7 +8361,7 @@
           <a:p>
             <a:fld id="{02F93218-9FF8-47E4-9549-D6B8B70DBC55}" type="datetimeFigureOut">
               <a:rPr lang="en-US" smtClean="0"/>
-              <a:t>11/6/2015</a:t>
+              <a:t>11/13/2015</a:t>
             </a:fld>
             <a:endParaRPr lang="en-US"/>
           </a:p>
@@ -8616,7 +8616,7 @@
           <a:p>
             <a:fld id="{02F93218-9FF8-47E4-9549-D6B8B70DBC55}" type="datetimeFigureOut">
               <a:rPr lang="en-US" smtClean="0"/>
-              <a:t>11/6/2015</a:t>
+              <a:t>11/13/2015</a:t>
             </a:fld>
             <a:endParaRPr lang="en-US"/>
           </a:p>
@@ -8879,7 +8879,7 @@
           <a:p>
             <a:fld id="{02F93218-9FF8-47E4-9549-D6B8B70DBC55}" type="datetimeFigureOut">
               <a:rPr lang="en-US" smtClean="0"/>
-              <a:t>11/6/2015</a:t>
+              <a:t>11/13/2015</a:t>
             </a:fld>
             <a:endParaRPr lang="en-US"/>
           </a:p>
@@ -9130,7 +9130,7 @@
           <a:p>
             <a:fld id="{02F93218-9FF8-47E4-9549-D6B8B70DBC55}" type="datetimeFigureOut">
               <a:rPr lang="en-US" smtClean="0"/>
-              <a:t>11/6/2015</a:t>
+              <a:t>11/13/2015</a:t>
             </a:fld>
             <a:endParaRPr lang="en-US"/>
           </a:p>
@@ -9444,7 +9444,7 @@
           <a:p>
             <a:fld id="{02F93218-9FF8-47E4-9549-D6B8B70DBC55}" type="datetimeFigureOut">
               <a:rPr lang="en-US" smtClean="0"/>
-              <a:t>11/6/2015</a:t>
+              <a:t>11/13/2015</a:t>
             </a:fld>
             <a:endParaRPr lang="en-US"/>
           </a:p>
@@ -9785,7 +9785,7 @@
           <a:p>
             <a:fld id="{02F93218-9FF8-47E4-9549-D6B8B70DBC55}" type="datetimeFigureOut">
               <a:rPr lang="en-US" smtClean="0"/>
-              <a:t>11/6/2015</a:t>
+              <a:t>11/13/2015</a:t>
             </a:fld>
             <a:endParaRPr lang="en-US"/>
           </a:p>
@@ -10018,7 +10018,7 @@
             <a:fld id="{F02B13D4-D553-40A5-BC87-06ABBA27D586}" type="datetime5">
               <a:rPr lang="en-US" smtClean="0"/>
               <a:pPr/>
-              <a:t>6-Nov-15</a:t>
+              <a:t>13-Nov-15</a:t>
             </a:fld>
             <a:endParaRPr lang="en-US"/>
           </a:p>
@@ -10338,7 +10338,7 @@
           <a:p>
             <a:fld id="{02F93218-9FF8-47E4-9549-D6B8B70DBC55}" type="datetimeFigureOut">
               <a:rPr lang="en-US" smtClean="0"/>
-              <a:t>11/6/2015</a:t>
+              <a:t>11/13/2015</a:t>
             </a:fld>
             <a:endParaRPr lang="en-US"/>
           </a:p>
@@ -10731,7 +10731,7 @@
           <a:p>
             <a:fld id="{02F93218-9FF8-47E4-9549-D6B8B70DBC55}" type="datetimeFigureOut">
               <a:rPr lang="en-US" smtClean="0"/>
-              <a:t>11/6/2015</a:t>
+              <a:t>11/13/2015</a:t>
             </a:fld>
             <a:endParaRPr lang="en-US"/>
           </a:p>
@@ -10901,7 +10901,7 @@
           <a:p>
             <a:fld id="{02F93218-9FF8-47E4-9549-D6B8B70DBC55}" type="datetimeFigureOut">
               <a:rPr lang="en-US" smtClean="0"/>
-              <a:t>11/6/2015</a:t>
+              <a:t>11/13/2015</a:t>
             </a:fld>
             <a:endParaRPr lang="en-US"/>
           </a:p>
@@ -11081,7 +11081,7 @@
           <a:p>
             <a:fld id="{02F93218-9FF8-47E4-9549-D6B8B70DBC55}" type="datetimeFigureOut">
               <a:rPr lang="en-US" smtClean="0"/>
-              <a:t>11/6/2015</a:t>
+              <a:t>11/13/2015</a:t>
             </a:fld>
             <a:endParaRPr lang="en-US"/>
           </a:p>
@@ -11456,7 +11456,7 @@
             <a:fld id="{A97E0254-BDA2-4D05-BB21-AFDBB6E5F51C}" type="datetime5">
               <a:rPr lang="en-US" smtClean="0"/>
               <a:pPr/>
-              <a:t>6-Nov-15</a:t>
+              <a:t>13-Nov-15</a:t>
             </a:fld>
             <a:endParaRPr lang="en-US"/>
           </a:p>
@@ -11586,7 +11586,7 @@
             <a:fld id="{48DA2199-57E2-49A1-8254-0D56EB7F68BC}" type="datetime5">
               <a:rPr lang="en-US" smtClean="0"/>
               <a:pPr/>
-              <a:t>6-Nov-15</a:t>
+              <a:t>13-Nov-15</a:t>
             </a:fld>
             <a:endParaRPr lang="en-US"/>
           </a:p>
@@ -11688,7 +11688,7 @@
             <a:fld id="{6E2019BC-3A82-45B5-A5F5-96D5F7374200}" type="datetime5">
               <a:rPr lang="en-US" smtClean="0"/>
               <a:pPr/>
-              <a:t>6-Nov-15</a:t>
+              <a:t>13-Nov-15</a:t>
             </a:fld>
             <a:endParaRPr lang="en-US"/>
           </a:p>
@@ -11950,7 +11950,7 @@
             <a:fld id="{14DB5873-2ECD-456F-8227-1185B23AE098}" type="datetime5">
               <a:rPr lang="en-US" smtClean="0"/>
               <a:pPr/>
-              <a:t>6-Nov-15</a:t>
+              <a:t>13-Nov-15</a:t>
             </a:fld>
             <a:endParaRPr lang="en-US"/>
           </a:p>
@@ -12267,7 +12267,7 @@
             <a:fld id="{DB96432D-A71A-4BA9-A2C6-9CF2EB7B98EE}" type="datetime5">
               <a:rPr lang="en-US" smtClean="0"/>
               <a:pPr/>
-              <a:t>6-Nov-15</a:t>
+              <a:t>13-Nov-15</a:t>
             </a:fld>
             <a:endParaRPr lang="en-US"/>
           </a:p>
@@ -12971,7 +12971,7 @@
             <a:fld id="{EDBD9FD9-0A37-4D3D-AD88-F2FA53D6DFD5}" type="datetime5">
               <a:rPr lang="en-US" smtClean="0"/>
               <a:pPr/>
-              <a:t>6-Nov-15</a:t>
+              <a:t>13-Nov-15</a:t>
             </a:fld>
             <a:endParaRPr lang="en-US"/>
           </a:p>
@@ -13643,7 +13643,7 @@
           <a:p>
             <a:fld id="{02F93218-9FF8-47E4-9549-D6B8B70DBC55}" type="datetimeFigureOut">
               <a:rPr lang="en-US" smtClean="0"/>
-              <a:t>11/6/2015</a:t>
+              <a:t>11/13/2015</a:t>
             </a:fld>
             <a:endParaRPr lang="en-US"/>
           </a:p>
@@ -14721,7 +14721,7 @@
             <a:fld id="{EDBD9FD9-0A37-4D3D-AD88-F2FA53D6DFD5}" type="datetime5">
               <a:rPr lang="en-US" smtClean="0"/>
               <a:pPr/>
-              <a:t>6-Nov-15</a:t>
+              <a:t>13-Nov-15</a:t>
             </a:fld>
             <a:endParaRPr lang="en-US"/>
           </a:p>
@@ -17444,6 +17444,14 @@
             <a:endParaRPr lang="en-US" dirty="0" smtClean="0"/>
           </a:p>
           <a:p>
+            <a:pPr lvl="1"/>
+            <a:r>
+              <a:rPr lang="en-US" dirty="0" err="1"/>
+              <a:t>stopImmediatePropagation</a:t>
+            </a:r>
+            <a:endParaRPr lang="en-US" dirty="0" smtClean="0"/>
+          </a:p>
+          <a:p>
             <a:r>
               <a:rPr lang="en-US" dirty="0" smtClean="0"/>
               <a:t>Event Phases</a:t>
@@ -17466,7 +17474,7 @@
           <a:p>
             <a:pPr lvl="1"/>
             <a:r>
-              <a:rPr lang="en-US" smtClean="0"/>
+              <a:rPr lang="en-US" dirty="0" smtClean="0"/>
               <a:t>Bubbling</a:t>
             </a:r>
           </a:p>
@@ -17572,7 +17580,7 @@
         </p:spPr>
         <p:txBody>
           <a:bodyPr>
-            <a:normAutofit lnSpcReduction="10000"/>
+            <a:normAutofit fontScale="92500" lnSpcReduction="10000"/>
           </a:bodyPr>
           <a:lstStyle/>
           <a:p>
@@ -17641,8 +17649,16 @@
             <a:pPr lvl="1"/>
             <a:r>
               <a:rPr lang="en-US" dirty="0" smtClean="0"/>
-              <a:t>MM/DD/YYYY</a:t>
-            </a:r>
+              <a:t>MM/DD/YYYY  </a:t>
+            </a:r>
+          </a:p>
+          <a:p>
+            <a:pPr lvl="1"/>
+            <a:r>
+              <a:rPr lang="en-US" dirty="0" smtClean="0"/>
+              <a:t>MM:DD:YYYY</a:t>
+            </a:r>
+            <a:endParaRPr lang="en-US" dirty="0" smtClean="0"/>
           </a:p>
           <a:p>
             <a:r>
@@ -17807,7 +17823,11 @@
             </a:r>
             <a:r>
               <a:rPr lang="en-US" dirty="0" smtClean="0"/>
-              <a:t> Object/ Class/ Namespace</a:t>
+              <a:t> Object</a:t>
+            </a:r>
+            <a:r>
+              <a:rPr lang="en-US" dirty="0" smtClean="0"/>
+              <a:t>/ Class/ Namespace</a:t>
             </a:r>
             <a:endParaRPr lang="en-US" dirty="0"/>
           </a:p>
